--- a/DataStructuresAndAlgorithms/Lecture 05 - Graphs/Lecture 05 - Graphs.pptx
+++ b/DataStructuresAndAlgorithms/Lecture 05 - Graphs/Lecture 05 - Graphs.pptx
@@ -410,7 +410,7 @@
             <a:pPr indent="0" algn="r">
               <a:buNone/>
             </a:pPr>
-            <a:fld id="{F63EBE9F-37FF-4661-BD97-ECB6338170A1}" type="slidenum">
+            <a:fld id="{C80E742D-3ACD-40A2-ABA9-1877F70705BD}" type="slidenum">
               <a:rPr b="0" lang="en-US" sz="1400" spc="-1" strike="noStrike">
                 <a:solidFill>
                   <a:srgbClr val="000000"/>
@@ -453,7 +453,7 @@
       </p:grpSpPr>
       <p:sp>
         <p:nvSpPr>
-          <p:cNvPr id="470" name="PlaceHolder 1"/>
+          <p:cNvPr id="471" name="PlaceHolder 1"/>
           <p:cNvSpPr>
             <a:spLocks noGrp="1"/>
           </p:cNvSpPr>
@@ -476,7 +476,7 @@
       </p:sp>
       <p:sp>
         <p:nvSpPr>
-          <p:cNvPr id="471" name="PlaceHolder 2"/>
+          <p:cNvPr id="472" name="PlaceHolder 2"/>
           <p:cNvSpPr>
             <a:spLocks noGrp="1"/>
           </p:cNvSpPr>
@@ -516,7 +516,7 @@
       </p:sp>
       <p:sp>
         <p:nvSpPr>
-          <p:cNvPr id="472" name="CustomShape 3"/>
+          <p:cNvPr id="473" name="CustomShape 3"/>
           <p:cNvSpPr/>
           <p:nvPr/>
         </p:nvSpPr>
@@ -592,7 +592,7 @@
       </p:grpSpPr>
       <p:sp>
         <p:nvSpPr>
-          <p:cNvPr id="497" name="PlaceHolder 1"/>
+          <p:cNvPr id="498" name="PlaceHolder 1"/>
           <p:cNvSpPr>
             <a:spLocks noGrp="1"/>
           </p:cNvSpPr>
@@ -615,7 +615,7 @@
       </p:sp>
       <p:sp>
         <p:nvSpPr>
-          <p:cNvPr id="498" name="PlaceHolder 2"/>
+          <p:cNvPr id="499" name="PlaceHolder 2"/>
           <p:cNvSpPr>
             <a:spLocks noGrp="1"/>
           </p:cNvSpPr>
@@ -655,7 +655,7 @@
       </p:sp>
       <p:sp>
         <p:nvSpPr>
-          <p:cNvPr id="499" name="CustomShape 3"/>
+          <p:cNvPr id="500" name="CustomShape 3"/>
           <p:cNvSpPr/>
           <p:nvPr/>
         </p:nvSpPr>
@@ -731,7 +731,7 @@
       </p:grpSpPr>
       <p:sp>
         <p:nvSpPr>
-          <p:cNvPr id="500" name="PlaceHolder 1"/>
+          <p:cNvPr id="501" name="PlaceHolder 1"/>
           <p:cNvSpPr>
             <a:spLocks noGrp="1"/>
           </p:cNvSpPr>
@@ -754,7 +754,7 @@
       </p:sp>
       <p:sp>
         <p:nvSpPr>
-          <p:cNvPr id="501" name="PlaceHolder 2"/>
+          <p:cNvPr id="502" name="PlaceHolder 2"/>
           <p:cNvSpPr>
             <a:spLocks noGrp="1"/>
           </p:cNvSpPr>
@@ -794,7 +794,7 @@
       </p:sp>
       <p:sp>
         <p:nvSpPr>
-          <p:cNvPr id="502" name="CustomShape 3"/>
+          <p:cNvPr id="503" name="CustomShape 3"/>
           <p:cNvSpPr/>
           <p:nvPr/>
         </p:nvSpPr>
@@ -870,7 +870,7 @@
       </p:grpSpPr>
       <p:sp>
         <p:nvSpPr>
-          <p:cNvPr id="503" name="PlaceHolder 1"/>
+          <p:cNvPr id="504" name="PlaceHolder 1"/>
           <p:cNvSpPr>
             <a:spLocks noGrp="1"/>
           </p:cNvSpPr>
@@ -893,7 +893,7 @@
       </p:sp>
       <p:sp>
         <p:nvSpPr>
-          <p:cNvPr id="504" name="PlaceHolder 2"/>
+          <p:cNvPr id="505" name="PlaceHolder 2"/>
           <p:cNvSpPr>
             <a:spLocks noGrp="1"/>
           </p:cNvSpPr>
@@ -933,7 +933,7 @@
       </p:sp>
       <p:sp>
         <p:nvSpPr>
-          <p:cNvPr id="505" name="CustomShape 7"/>
+          <p:cNvPr id="506" name="CustomShape 7"/>
           <p:cNvSpPr/>
           <p:nvPr/>
         </p:nvSpPr>
@@ -1009,7 +1009,7 @@
       </p:grpSpPr>
       <p:sp>
         <p:nvSpPr>
-          <p:cNvPr id="506" name="PlaceHolder 1"/>
+          <p:cNvPr id="507" name="PlaceHolder 1"/>
           <p:cNvSpPr>
             <a:spLocks noGrp="1"/>
           </p:cNvSpPr>
@@ -1032,7 +1032,7 @@
       </p:sp>
       <p:sp>
         <p:nvSpPr>
-          <p:cNvPr id="507" name="PlaceHolder 2"/>
+          <p:cNvPr id="508" name="PlaceHolder 2"/>
           <p:cNvSpPr>
             <a:spLocks noGrp="1"/>
           </p:cNvSpPr>
@@ -1072,7 +1072,7 @@
       </p:sp>
       <p:sp>
         <p:nvSpPr>
-          <p:cNvPr id="508" name="CustomShape 16"/>
+          <p:cNvPr id="509" name="CustomShape 16"/>
           <p:cNvSpPr/>
           <p:nvPr/>
         </p:nvSpPr>
@@ -1148,7 +1148,7 @@
       </p:grpSpPr>
       <p:sp>
         <p:nvSpPr>
-          <p:cNvPr id="509" name="PlaceHolder 1"/>
+          <p:cNvPr id="510" name="PlaceHolder 1"/>
           <p:cNvSpPr>
             <a:spLocks noGrp="1"/>
           </p:cNvSpPr>
@@ -1171,7 +1171,7 @@
       </p:sp>
       <p:sp>
         <p:nvSpPr>
-          <p:cNvPr id="510" name="PlaceHolder 2"/>
+          <p:cNvPr id="511" name="PlaceHolder 2"/>
           <p:cNvSpPr>
             <a:spLocks noGrp="1"/>
           </p:cNvSpPr>
@@ -1211,7 +1211,7 @@
       </p:sp>
       <p:sp>
         <p:nvSpPr>
-          <p:cNvPr id="511" name="CustomShape 21"/>
+          <p:cNvPr id="512" name="CustomShape 21"/>
           <p:cNvSpPr/>
           <p:nvPr/>
         </p:nvSpPr>
@@ -1287,7 +1287,7 @@
       </p:grpSpPr>
       <p:sp>
         <p:nvSpPr>
-          <p:cNvPr id="512" name="PlaceHolder 1"/>
+          <p:cNvPr id="513" name="PlaceHolder 1"/>
           <p:cNvSpPr>
             <a:spLocks noGrp="1"/>
           </p:cNvSpPr>
@@ -1310,7 +1310,7 @@
       </p:sp>
       <p:sp>
         <p:nvSpPr>
-          <p:cNvPr id="513" name="PlaceHolder 2"/>
+          <p:cNvPr id="514" name="PlaceHolder 2"/>
           <p:cNvSpPr>
             <a:spLocks noGrp="1"/>
           </p:cNvSpPr>
@@ -1350,7 +1350,7 @@
       </p:sp>
       <p:sp>
         <p:nvSpPr>
-          <p:cNvPr id="514" name="CustomShape 52"/>
+          <p:cNvPr id="515" name="CustomShape 52"/>
           <p:cNvSpPr/>
           <p:nvPr/>
         </p:nvSpPr>
@@ -1426,7 +1426,7 @@
       </p:grpSpPr>
       <p:sp>
         <p:nvSpPr>
-          <p:cNvPr id="515" name="PlaceHolder 1"/>
+          <p:cNvPr id="516" name="PlaceHolder 1"/>
           <p:cNvSpPr>
             <a:spLocks noGrp="1"/>
           </p:cNvSpPr>
@@ -1449,7 +1449,7 @@
       </p:sp>
       <p:sp>
         <p:nvSpPr>
-          <p:cNvPr id="516" name="PlaceHolder 2"/>
+          <p:cNvPr id="517" name="PlaceHolder 2"/>
           <p:cNvSpPr>
             <a:spLocks noGrp="1"/>
           </p:cNvSpPr>
@@ -1489,7 +1489,7 @@
       </p:sp>
       <p:sp>
         <p:nvSpPr>
-          <p:cNvPr id="517" name="CustomShape 26"/>
+          <p:cNvPr id="518" name="CustomShape 26"/>
           <p:cNvSpPr/>
           <p:nvPr/>
         </p:nvSpPr>
@@ -1565,7 +1565,7 @@
       </p:grpSpPr>
       <p:sp>
         <p:nvSpPr>
-          <p:cNvPr id="518" name="PlaceHolder 1"/>
+          <p:cNvPr id="519" name="PlaceHolder 1"/>
           <p:cNvSpPr>
             <a:spLocks noGrp="1"/>
           </p:cNvSpPr>
@@ -1588,7 +1588,7 @@
       </p:sp>
       <p:sp>
         <p:nvSpPr>
-          <p:cNvPr id="519" name="PlaceHolder 2"/>
+          <p:cNvPr id="520" name="PlaceHolder 2"/>
           <p:cNvSpPr>
             <a:spLocks noGrp="1"/>
           </p:cNvSpPr>
@@ -1628,7 +1628,7 @@
       </p:sp>
       <p:sp>
         <p:nvSpPr>
-          <p:cNvPr id="520" name="CustomShape 31"/>
+          <p:cNvPr id="521" name="CustomShape 31"/>
           <p:cNvSpPr/>
           <p:nvPr/>
         </p:nvSpPr>
@@ -1704,7 +1704,7 @@
       </p:grpSpPr>
       <p:sp>
         <p:nvSpPr>
-          <p:cNvPr id="521" name="PlaceHolder 1"/>
+          <p:cNvPr id="522" name="PlaceHolder 1"/>
           <p:cNvSpPr>
             <a:spLocks noGrp="1"/>
           </p:cNvSpPr>
@@ -1727,7 +1727,7 @@
       </p:sp>
       <p:sp>
         <p:nvSpPr>
-          <p:cNvPr id="522" name="PlaceHolder 2"/>
+          <p:cNvPr id="523" name="PlaceHolder 2"/>
           <p:cNvSpPr>
             <a:spLocks noGrp="1"/>
           </p:cNvSpPr>
@@ -1767,7 +1767,7 @@
       </p:sp>
       <p:sp>
         <p:nvSpPr>
-          <p:cNvPr id="523" name="CustomShape 3"/>
+          <p:cNvPr id="524" name="CustomShape 3"/>
           <p:cNvSpPr/>
           <p:nvPr/>
         </p:nvSpPr>
@@ -1843,7 +1843,7 @@
       </p:grpSpPr>
       <p:sp>
         <p:nvSpPr>
-          <p:cNvPr id="524" name="PlaceHolder 1"/>
+          <p:cNvPr id="525" name="PlaceHolder 1"/>
           <p:cNvSpPr>
             <a:spLocks noGrp="1"/>
           </p:cNvSpPr>
@@ -1866,7 +1866,7 @@
       </p:sp>
       <p:sp>
         <p:nvSpPr>
-          <p:cNvPr id="525" name="PlaceHolder 2"/>
+          <p:cNvPr id="526" name="PlaceHolder 2"/>
           <p:cNvSpPr>
             <a:spLocks noGrp="1"/>
           </p:cNvSpPr>
@@ -1906,7 +1906,7 @@
       </p:sp>
       <p:sp>
         <p:nvSpPr>
-          <p:cNvPr id="526" name="CustomShape 36"/>
+          <p:cNvPr id="527" name="CustomShape 36"/>
           <p:cNvSpPr/>
           <p:nvPr/>
         </p:nvSpPr>
@@ -1982,7 +1982,7 @@
       </p:grpSpPr>
       <p:sp>
         <p:nvSpPr>
-          <p:cNvPr id="473" name="PlaceHolder 1"/>
+          <p:cNvPr id="474" name="PlaceHolder 1"/>
           <p:cNvSpPr>
             <a:spLocks noGrp="1"/>
           </p:cNvSpPr>
@@ -2005,7 +2005,7 @@
       </p:sp>
       <p:sp>
         <p:nvSpPr>
-          <p:cNvPr id="474" name="PlaceHolder 2"/>
+          <p:cNvPr id="475" name="PlaceHolder 2"/>
           <p:cNvSpPr>
             <a:spLocks noGrp="1"/>
           </p:cNvSpPr>
@@ -2045,7 +2045,7 @@
       </p:sp>
       <p:sp>
         <p:nvSpPr>
-          <p:cNvPr id="475" name="CustomShape 3"/>
+          <p:cNvPr id="476" name="CustomShape 3"/>
           <p:cNvSpPr/>
           <p:nvPr/>
         </p:nvSpPr>
@@ -2121,7 +2121,7 @@
       </p:grpSpPr>
       <p:sp>
         <p:nvSpPr>
-          <p:cNvPr id="527" name="PlaceHolder 1"/>
+          <p:cNvPr id="528" name="PlaceHolder 1"/>
           <p:cNvSpPr>
             <a:spLocks noGrp="1"/>
           </p:cNvSpPr>
@@ -2144,7 +2144,7 @@
       </p:sp>
       <p:sp>
         <p:nvSpPr>
-          <p:cNvPr id="528" name="PlaceHolder 2"/>
+          <p:cNvPr id="529" name="PlaceHolder 2"/>
           <p:cNvSpPr>
             <a:spLocks noGrp="1"/>
           </p:cNvSpPr>
@@ -2184,7 +2184,7 @@
       </p:sp>
       <p:sp>
         <p:nvSpPr>
-          <p:cNvPr id="529" name="CustomShape 41"/>
+          <p:cNvPr id="530" name="CustomShape 41"/>
           <p:cNvSpPr/>
           <p:nvPr/>
         </p:nvSpPr>
@@ -2260,7 +2260,7 @@
       </p:grpSpPr>
       <p:sp>
         <p:nvSpPr>
-          <p:cNvPr id="530" name="PlaceHolder 1"/>
+          <p:cNvPr id="531" name="PlaceHolder 1"/>
           <p:cNvSpPr>
             <a:spLocks noGrp="1"/>
           </p:cNvSpPr>
@@ -2283,7 +2283,7 @@
       </p:sp>
       <p:sp>
         <p:nvSpPr>
-          <p:cNvPr id="531" name="PlaceHolder 2"/>
+          <p:cNvPr id="532" name="PlaceHolder 2"/>
           <p:cNvSpPr>
             <a:spLocks noGrp="1"/>
           </p:cNvSpPr>
@@ -2323,7 +2323,7 @@
       </p:sp>
       <p:sp>
         <p:nvSpPr>
-          <p:cNvPr id="532" name="CustomShape 46"/>
+          <p:cNvPr id="533" name="CustomShape 46"/>
           <p:cNvSpPr/>
           <p:nvPr/>
         </p:nvSpPr>
@@ -2399,7 +2399,7 @@
       </p:grpSpPr>
       <p:sp>
         <p:nvSpPr>
-          <p:cNvPr id="533" name="PlaceHolder 1"/>
+          <p:cNvPr id="534" name="PlaceHolder 1"/>
           <p:cNvSpPr>
             <a:spLocks noGrp="1"/>
           </p:cNvSpPr>
@@ -2422,7 +2422,7 @@
       </p:sp>
       <p:sp>
         <p:nvSpPr>
-          <p:cNvPr id="534" name="PlaceHolder 2"/>
+          <p:cNvPr id="535" name="PlaceHolder 2"/>
           <p:cNvSpPr>
             <a:spLocks noGrp="1"/>
           </p:cNvSpPr>
@@ -2462,7 +2462,7 @@
       </p:sp>
       <p:sp>
         <p:nvSpPr>
-          <p:cNvPr id="535" name="CustomShape 3"/>
+          <p:cNvPr id="536" name="CustomShape 3"/>
           <p:cNvSpPr/>
           <p:nvPr/>
         </p:nvSpPr>
@@ -2538,7 +2538,7 @@
       </p:grpSpPr>
       <p:sp>
         <p:nvSpPr>
-          <p:cNvPr id="536" name="PlaceHolder 1"/>
+          <p:cNvPr id="537" name="PlaceHolder 1"/>
           <p:cNvSpPr>
             <a:spLocks noGrp="1"/>
           </p:cNvSpPr>
@@ -2561,7 +2561,7 @@
       </p:sp>
       <p:sp>
         <p:nvSpPr>
-          <p:cNvPr id="537" name="PlaceHolder 2"/>
+          <p:cNvPr id="538" name="PlaceHolder 2"/>
           <p:cNvSpPr>
             <a:spLocks noGrp="1"/>
           </p:cNvSpPr>
@@ -2601,7 +2601,7 @@
       </p:sp>
       <p:sp>
         <p:nvSpPr>
-          <p:cNvPr id="538" name="CustomShape 3"/>
+          <p:cNvPr id="539" name="CustomShape 3"/>
           <p:cNvSpPr/>
           <p:nvPr/>
         </p:nvSpPr>
@@ -2677,7 +2677,7 @@
       </p:grpSpPr>
       <p:sp>
         <p:nvSpPr>
-          <p:cNvPr id="539" name="PlaceHolder 1"/>
+          <p:cNvPr id="540" name="PlaceHolder 1"/>
           <p:cNvSpPr>
             <a:spLocks noGrp="1"/>
           </p:cNvSpPr>
@@ -2700,7 +2700,7 @@
       </p:sp>
       <p:sp>
         <p:nvSpPr>
-          <p:cNvPr id="540" name="PlaceHolder 2"/>
+          <p:cNvPr id="541" name="PlaceHolder 2"/>
           <p:cNvSpPr>
             <a:spLocks noGrp="1"/>
           </p:cNvSpPr>
@@ -2740,7 +2740,7 @@
       </p:sp>
       <p:sp>
         <p:nvSpPr>
-          <p:cNvPr id="541" name="CustomShape 3"/>
+          <p:cNvPr id="542" name="CustomShape 3"/>
           <p:cNvSpPr/>
           <p:nvPr/>
         </p:nvSpPr>
@@ -2816,7 +2816,7 @@
       </p:grpSpPr>
       <p:sp>
         <p:nvSpPr>
-          <p:cNvPr id="542" name="PlaceHolder 1"/>
+          <p:cNvPr id="543" name="PlaceHolder 1"/>
           <p:cNvSpPr>
             <a:spLocks noGrp="1"/>
           </p:cNvSpPr>
@@ -2839,7 +2839,7 @@
       </p:sp>
       <p:sp>
         <p:nvSpPr>
-          <p:cNvPr id="543" name="PlaceHolder 2"/>
+          <p:cNvPr id="544" name="PlaceHolder 2"/>
           <p:cNvSpPr>
             <a:spLocks noGrp="1"/>
           </p:cNvSpPr>
@@ -2879,7 +2879,7 @@
       </p:sp>
       <p:sp>
         <p:nvSpPr>
-          <p:cNvPr id="544" name="CustomShape 3"/>
+          <p:cNvPr id="545" name="CustomShape 3"/>
           <p:cNvSpPr/>
           <p:nvPr/>
         </p:nvSpPr>
@@ -2955,7 +2955,7 @@
       </p:grpSpPr>
       <p:sp>
         <p:nvSpPr>
-          <p:cNvPr id="545" name="PlaceHolder 1"/>
+          <p:cNvPr id="546" name="PlaceHolder 1"/>
           <p:cNvSpPr>
             <a:spLocks noGrp="1"/>
           </p:cNvSpPr>
@@ -2978,7 +2978,7 @@
       </p:sp>
       <p:sp>
         <p:nvSpPr>
-          <p:cNvPr id="546" name="PlaceHolder 2"/>
+          <p:cNvPr id="547" name="PlaceHolder 2"/>
           <p:cNvSpPr>
             <a:spLocks noGrp="1"/>
           </p:cNvSpPr>
@@ -3018,7 +3018,7 @@
       </p:sp>
       <p:sp>
         <p:nvSpPr>
-          <p:cNvPr id="547" name="CustomShape 3"/>
+          <p:cNvPr id="548" name="CustomShape 3"/>
           <p:cNvSpPr/>
           <p:nvPr/>
         </p:nvSpPr>
@@ -3094,7 +3094,7 @@
       </p:grpSpPr>
       <p:sp>
         <p:nvSpPr>
-          <p:cNvPr id="548" name="PlaceHolder 1"/>
+          <p:cNvPr id="549" name="PlaceHolder 1"/>
           <p:cNvSpPr>
             <a:spLocks noGrp="1"/>
           </p:cNvSpPr>
@@ -3117,7 +3117,7 @@
       </p:sp>
       <p:sp>
         <p:nvSpPr>
-          <p:cNvPr id="549" name="PlaceHolder 2"/>
+          <p:cNvPr id="550" name="PlaceHolder 2"/>
           <p:cNvSpPr>
             <a:spLocks noGrp="1"/>
           </p:cNvSpPr>
@@ -3157,7 +3157,7 @@
       </p:sp>
       <p:sp>
         <p:nvSpPr>
-          <p:cNvPr id="550" name="CustomShape 3"/>
+          <p:cNvPr id="551" name="CustomShape 3"/>
           <p:cNvSpPr/>
           <p:nvPr/>
         </p:nvSpPr>
@@ -3233,7 +3233,7 @@
       </p:grpSpPr>
       <p:sp>
         <p:nvSpPr>
-          <p:cNvPr id="551" name="PlaceHolder 1"/>
+          <p:cNvPr id="552" name="PlaceHolder 1"/>
           <p:cNvSpPr>
             <a:spLocks noGrp="1"/>
           </p:cNvSpPr>
@@ -3256,7 +3256,7 @@
       </p:sp>
       <p:sp>
         <p:nvSpPr>
-          <p:cNvPr id="552" name="PlaceHolder 2"/>
+          <p:cNvPr id="553" name="PlaceHolder 2"/>
           <p:cNvSpPr>
             <a:spLocks noGrp="1"/>
           </p:cNvSpPr>
@@ -3296,7 +3296,7 @@
       </p:sp>
       <p:sp>
         <p:nvSpPr>
-          <p:cNvPr id="553" name="CustomShape 3"/>
+          <p:cNvPr id="554" name="CustomShape 3"/>
           <p:cNvSpPr/>
           <p:nvPr/>
         </p:nvSpPr>
@@ -3372,7 +3372,7 @@
       </p:grpSpPr>
       <p:sp>
         <p:nvSpPr>
-          <p:cNvPr id="554" name="PlaceHolder 1"/>
+          <p:cNvPr id="555" name="PlaceHolder 1"/>
           <p:cNvSpPr>
             <a:spLocks noGrp="1"/>
           </p:cNvSpPr>
@@ -3395,7 +3395,7 @@
       </p:sp>
       <p:sp>
         <p:nvSpPr>
-          <p:cNvPr id="555" name="PlaceHolder 2"/>
+          <p:cNvPr id="556" name="PlaceHolder 2"/>
           <p:cNvSpPr>
             <a:spLocks noGrp="1"/>
           </p:cNvSpPr>
@@ -3435,7 +3435,7 @@
       </p:sp>
       <p:sp>
         <p:nvSpPr>
-          <p:cNvPr id="556" name="CustomShape 3"/>
+          <p:cNvPr id="557" name="CustomShape 3"/>
           <p:cNvSpPr/>
           <p:nvPr/>
         </p:nvSpPr>
@@ -3511,7 +3511,7 @@
       </p:grpSpPr>
       <p:sp>
         <p:nvSpPr>
-          <p:cNvPr id="476" name="PlaceHolder 1"/>
+          <p:cNvPr id="477" name="PlaceHolder 1"/>
           <p:cNvSpPr>
             <a:spLocks noGrp="1"/>
           </p:cNvSpPr>
@@ -3534,7 +3534,7 @@
       </p:sp>
       <p:sp>
         <p:nvSpPr>
-          <p:cNvPr id="477" name="PlaceHolder 2"/>
+          <p:cNvPr id="478" name="PlaceHolder 2"/>
           <p:cNvSpPr>
             <a:spLocks noGrp="1"/>
           </p:cNvSpPr>
@@ -3574,7 +3574,7 @@
       </p:sp>
       <p:sp>
         <p:nvSpPr>
-          <p:cNvPr id="478" name="CustomShape 106"/>
+          <p:cNvPr id="479" name="CustomShape 106"/>
           <p:cNvSpPr/>
           <p:nvPr/>
         </p:nvSpPr>
@@ -3650,7 +3650,7 @@
       </p:grpSpPr>
       <p:sp>
         <p:nvSpPr>
-          <p:cNvPr id="557" name="PlaceHolder 1"/>
+          <p:cNvPr id="558" name="PlaceHolder 1"/>
           <p:cNvSpPr>
             <a:spLocks noGrp="1"/>
           </p:cNvSpPr>
@@ -3673,7 +3673,7 @@
       </p:sp>
       <p:sp>
         <p:nvSpPr>
-          <p:cNvPr id="558" name="PlaceHolder 2"/>
+          <p:cNvPr id="559" name="PlaceHolder 2"/>
           <p:cNvSpPr>
             <a:spLocks noGrp="1"/>
           </p:cNvSpPr>
@@ -3713,7 +3713,7 @@
       </p:sp>
       <p:sp>
         <p:nvSpPr>
-          <p:cNvPr id="559" name="CustomShape 3"/>
+          <p:cNvPr id="560" name="CustomShape 3"/>
           <p:cNvSpPr/>
           <p:nvPr/>
         </p:nvSpPr>
@@ -3789,7 +3789,7 @@
       </p:grpSpPr>
       <p:sp>
         <p:nvSpPr>
-          <p:cNvPr id="560" name="PlaceHolder 1"/>
+          <p:cNvPr id="561" name="PlaceHolder 1"/>
           <p:cNvSpPr>
             <a:spLocks noGrp="1"/>
           </p:cNvSpPr>
@@ -3812,7 +3812,7 @@
       </p:sp>
       <p:sp>
         <p:nvSpPr>
-          <p:cNvPr id="561" name="PlaceHolder 2"/>
+          <p:cNvPr id="562" name="PlaceHolder 2"/>
           <p:cNvSpPr>
             <a:spLocks noGrp="1"/>
           </p:cNvSpPr>
@@ -3852,7 +3852,7 @@
       </p:sp>
       <p:sp>
         <p:nvSpPr>
-          <p:cNvPr id="562" name="CustomShape 3"/>
+          <p:cNvPr id="563" name="CustomShape 3"/>
           <p:cNvSpPr/>
           <p:nvPr/>
         </p:nvSpPr>
@@ -3928,7 +3928,7 @@
       </p:grpSpPr>
       <p:sp>
         <p:nvSpPr>
-          <p:cNvPr id="563" name="PlaceHolder 1"/>
+          <p:cNvPr id="564" name="PlaceHolder 1"/>
           <p:cNvSpPr>
             <a:spLocks noGrp="1"/>
           </p:cNvSpPr>
@@ -3951,7 +3951,7 @@
       </p:sp>
       <p:sp>
         <p:nvSpPr>
-          <p:cNvPr id="564" name="PlaceHolder 2"/>
+          <p:cNvPr id="565" name="PlaceHolder 2"/>
           <p:cNvSpPr>
             <a:spLocks noGrp="1"/>
           </p:cNvSpPr>
@@ -3991,7 +3991,7 @@
       </p:sp>
       <p:sp>
         <p:nvSpPr>
-          <p:cNvPr id="565" name="CustomShape 109"/>
+          <p:cNvPr id="566" name="CustomShape 109"/>
           <p:cNvSpPr/>
           <p:nvPr/>
         </p:nvSpPr>
@@ -4067,7 +4067,7 @@
       </p:grpSpPr>
       <p:sp>
         <p:nvSpPr>
-          <p:cNvPr id="566" name="PlaceHolder 1"/>
+          <p:cNvPr id="567" name="PlaceHolder 1"/>
           <p:cNvSpPr>
             <a:spLocks noGrp="1"/>
           </p:cNvSpPr>
@@ -4090,7 +4090,7 @@
       </p:sp>
       <p:sp>
         <p:nvSpPr>
-          <p:cNvPr id="567" name="PlaceHolder 2"/>
+          <p:cNvPr id="568" name="PlaceHolder 2"/>
           <p:cNvSpPr>
             <a:spLocks noGrp="1"/>
           </p:cNvSpPr>
@@ -4130,7 +4130,7 @@
       </p:sp>
       <p:sp>
         <p:nvSpPr>
-          <p:cNvPr id="568" name="CustomShape 3"/>
+          <p:cNvPr id="569" name="CustomShape 3"/>
           <p:cNvSpPr/>
           <p:nvPr/>
         </p:nvSpPr>
@@ -4206,7 +4206,7 @@
       </p:grpSpPr>
       <p:sp>
         <p:nvSpPr>
-          <p:cNvPr id="569" name="PlaceHolder 1"/>
+          <p:cNvPr id="570" name="PlaceHolder 1"/>
           <p:cNvSpPr>
             <a:spLocks noGrp="1"/>
           </p:cNvSpPr>
@@ -4229,7 +4229,7 @@
       </p:sp>
       <p:sp>
         <p:nvSpPr>
-          <p:cNvPr id="570" name="PlaceHolder 2"/>
+          <p:cNvPr id="571" name="PlaceHolder 2"/>
           <p:cNvSpPr>
             <a:spLocks noGrp="1"/>
           </p:cNvSpPr>
@@ -4269,7 +4269,7 @@
       </p:sp>
       <p:sp>
         <p:nvSpPr>
-          <p:cNvPr id="571" name="CustomShape 3"/>
+          <p:cNvPr id="572" name="CustomShape 3"/>
           <p:cNvSpPr/>
           <p:nvPr/>
         </p:nvSpPr>
@@ -4345,7 +4345,7 @@
       </p:grpSpPr>
       <p:sp>
         <p:nvSpPr>
-          <p:cNvPr id="572" name="PlaceHolder 1"/>
+          <p:cNvPr id="573" name="PlaceHolder 1"/>
           <p:cNvSpPr>
             <a:spLocks noGrp="1"/>
           </p:cNvSpPr>
@@ -4368,7 +4368,7 @@
       </p:sp>
       <p:sp>
         <p:nvSpPr>
-          <p:cNvPr id="573" name="PlaceHolder 2"/>
+          <p:cNvPr id="574" name="PlaceHolder 2"/>
           <p:cNvSpPr>
             <a:spLocks noGrp="1"/>
           </p:cNvSpPr>
@@ -4408,7 +4408,7 @@
       </p:sp>
       <p:sp>
         <p:nvSpPr>
-          <p:cNvPr id="574" name="CustomShape 57"/>
+          <p:cNvPr id="575" name="CustomShape 57"/>
           <p:cNvSpPr/>
           <p:nvPr/>
         </p:nvSpPr>
@@ -4484,7 +4484,7 @@
       </p:grpSpPr>
       <p:sp>
         <p:nvSpPr>
-          <p:cNvPr id="575" name="PlaceHolder 1"/>
+          <p:cNvPr id="576" name="PlaceHolder 1"/>
           <p:cNvSpPr>
             <a:spLocks noGrp="1"/>
           </p:cNvSpPr>
@@ -4507,7 +4507,7 @@
       </p:sp>
       <p:sp>
         <p:nvSpPr>
-          <p:cNvPr id="576" name="PlaceHolder 2"/>
+          <p:cNvPr id="577" name="PlaceHolder 2"/>
           <p:cNvSpPr>
             <a:spLocks noGrp="1"/>
           </p:cNvSpPr>
@@ -4547,7 +4547,7 @@
       </p:sp>
       <p:sp>
         <p:nvSpPr>
-          <p:cNvPr id="577" name="CustomShape 99"/>
+          <p:cNvPr id="578" name="CustomShape 99"/>
           <p:cNvSpPr/>
           <p:nvPr/>
         </p:nvSpPr>
@@ -4623,7 +4623,7 @@
       </p:grpSpPr>
       <p:sp>
         <p:nvSpPr>
-          <p:cNvPr id="578" name="PlaceHolder 1"/>
+          <p:cNvPr id="579" name="PlaceHolder 1"/>
           <p:cNvSpPr>
             <a:spLocks noGrp="1"/>
           </p:cNvSpPr>
@@ -4646,7 +4646,7 @@
       </p:sp>
       <p:sp>
         <p:nvSpPr>
-          <p:cNvPr id="579" name="PlaceHolder 2"/>
+          <p:cNvPr id="580" name="PlaceHolder 2"/>
           <p:cNvSpPr>
             <a:spLocks noGrp="1"/>
           </p:cNvSpPr>
@@ -4686,7 +4686,7 @@
       </p:sp>
       <p:sp>
         <p:nvSpPr>
-          <p:cNvPr id="580" name="CustomShape 87"/>
+          <p:cNvPr id="581" name="CustomShape 87"/>
           <p:cNvSpPr/>
           <p:nvPr/>
         </p:nvSpPr>
@@ -4762,7 +4762,7 @@
       </p:grpSpPr>
       <p:sp>
         <p:nvSpPr>
-          <p:cNvPr id="581" name="PlaceHolder 1"/>
+          <p:cNvPr id="582" name="PlaceHolder 1"/>
           <p:cNvSpPr>
             <a:spLocks noGrp="1"/>
           </p:cNvSpPr>
@@ -4785,7 +4785,7 @@
       </p:sp>
       <p:sp>
         <p:nvSpPr>
-          <p:cNvPr id="582" name="PlaceHolder 2"/>
+          <p:cNvPr id="583" name="PlaceHolder 2"/>
           <p:cNvSpPr>
             <a:spLocks noGrp="1"/>
           </p:cNvSpPr>
@@ -4825,7 +4825,7 @@
       </p:sp>
       <p:sp>
         <p:nvSpPr>
-          <p:cNvPr id="583" name="CustomShape 105"/>
+          <p:cNvPr id="584" name="CustomShape 105"/>
           <p:cNvSpPr/>
           <p:nvPr/>
         </p:nvSpPr>
@@ -4901,7 +4901,7 @@
       </p:grpSpPr>
       <p:sp>
         <p:nvSpPr>
-          <p:cNvPr id="584" name="PlaceHolder 1"/>
+          <p:cNvPr id="585" name="PlaceHolder 1"/>
           <p:cNvSpPr>
             <a:spLocks noGrp="1"/>
           </p:cNvSpPr>
@@ -4924,7 +4924,7 @@
       </p:sp>
       <p:sp>
         <p:nvSpPr>
-          <p:cNvPr id="585" name="PlaceHolder 2"/>
+          <p:cNvPr id="586" name="PlaceHolder 2"/>
           <p:cNvSpPr>
             <a:spLocks noGrp="1"/>
           </p:cNvSpPr>
@@ -4964,7 +4964,7 @@
       </p:sp>
       <p:sp>
         <p:nvSpPr>
-          <p:cNvPr id="586" name="CustomShape 81"/>
+          <p:cNvPr id="587" name="CustomShape 81"/>
           <p:cNvSpPr/>
           <p:nvPr/>
         </p:nvSpPr>
@@ -5040,7 +5040,7 @@
       </p:grpSpPr>
       <p:sp>
         <p:nvSpPr>
-          <p:cNvPr id="479" name="PlaceHolder 1"/>
+          <p:cNvPr id="480" name="PlaceHolder 1"/>
           <p:cNvSpPr>
             <a:spLocks noGrp="1"/>
           </p:cNvSpPr>
@@ -5063,7 +5063,7 @@
       </p:sp>
       <p:sp>
         <p:nvSpPr>
-          <p:cNvPr id="480" name="PlaceHolder 2"/>
+          <p:cNvPr id="481" name="PlaceHolder 2"/>
           <p:cNvSpPr>
             <a:spLocks noGrp="1"/>
           </p:cNvSpPr>
@@ -5103,7 +5103,7 @@
       </p:sp>
       <p:sp>
         <p:nvSpPr>
-          <p:cNvPr id="481" name="CustomShape 3"/>
+          <p:cNvPr id="482" name="CustomShape 3"/>
           <p:cNvSpPr/>
           <p:nvPr/>
         </p:nvSpPr>
@@ -5179,7 +5179,7 @@
       </p:grpSpPr>
       <p:sp>
         <p:nvSpPr>
-          <p:cNvPr id="587" name="PlaceHolder 1"/>
+          <p:cNvPr id="588" name="PlaceHolder 1"/>
           <p:cNvSpPr>
             <a:spLocks noGrp="1"/>
           </p:cNvSpPr>
@@ -5202,7 +5202,7 @@
       </p:sp>
       <p:sp>
         <p:nvSpPr>
-          <p:cNvPr id="588" name="PlaceHolder 2"/>
+          <p:cNvPr id="589" name="PlaceHolder 2"/>
           <p:cNvSpPr>
             <a:spLocks noGrp="1"/>
           </p:cNvSpPr>
@@ -5242,7 +5242,7 @@
       </p:sp>
       <p:sp>
         <p:nvSpPr>
-          <p:cNvPr id="589" name="CustomShape 75"/>
+          <p:cNvPr id="590" name="CustomShape 75"/>
           <p:cNvSpPr/>
           <p:nvPr/>
         </p:nvSpPr>
@@ -5318,7 +5318,7 @@
       </p:grpSpPr>
       <p:sp>
         <p:nvSpPr>
-          <p:cNvPr id="590" name="PlaceHolder 1"/>
+          <p:cNvPr id="591" name="PlaceHolder 1"/>
           <p:cNvSpPr>
             <a:spLocks noGrp="1"/>
           </p:cNvSpPr>
@@ -5341,7 +5341,7 @@
       </p:sp>
       <p:sp>
         <p:nvSpPr>
-          <p:cNvPr id="591" name="PlaceHolder 2"/>
+          <p:cNvPr id="592" name="PlaceHolder 2"/>
           <p:cNvSpPr>
             <a:spLocks noGrp="1"/>
           </p:cNvSpPr>
@@ -5381,7 +5381,7 @@
       </p:sp>
       <p:sp>
         <p:nvSpPr>
-          <p:cNvPr id="592" name="CustomShape 129"/>
+          <p:cNvPr id="593" name="CustomShape 129"/>
           <p:cNvSpPr/>
           <p:nvPr/>
         </p:nvSpPr>
@@ -5457,7 +5457,7 @@
       </p:grpSpPr>
       <p:sp>
         <p:nvSpPr>
-          <p:cNvPr id="593" name="PlaceHolder 1"/>
+          <p:cNvPr id="594" name="PlaceHolder 1"/>
           <p:cNvSpPr>
             <a:spLocks noGrp="1"/>
           </p:cNvSpPr>
@@ -5480,7 +5480,7 @@
       </p:sp>
       <p:sp>
         <p:nvSpPr>
-          <p:cNvPr id="594" name="PlaceHolder 2"/>
+          <p:cNvPr id="595" name="PlaceHolder 2"/>
           <p:cNvSpPr>
             <a:spLocks noGrp="1"/>
           </p:cNvSpPr>
@@ -5520,7 +5520,7 @@
       </p:sp>
       <p:sp>
         <p:nvSpPr>
-          <p:cNvPr id="595" name="CustomShape 117"/>
+          <p:cNvPr id="596" name="CustomShape 117"/>
           <p:cNvSpPr/>
           <p:nvPr/>
         </p:nvSpPr>
@@ -5596,7 +5596,7 @@
       </p:grpSpPr>
       <p:sp>
         <p:nvSpPr>
-          <p:cNvPr id="596" name="PlaceHolder 1"/>
+          <p:cNvPr id="597" name="PlaceHolder 1"/>
           <p:cNvSpPr>
             <a:spLocks noGrp="1"/>
           </p:cNvSpPr>
@@ -5619,7 +5619,7 @@
       </p:sp>
       <p:sp>
         <p:nvSpPr>
-          <p:cNvPr id="597" name="PlaceHolder 2"/>
+          <p:cNvPr id="598" name="PlaceHolder 2"/>
           <p:cNvSpPr>
             <a:spLocks noGrp="1"/>
           </p:cNvSpPr>
@@ -5659,7 +5659,7 @@
       </p:sp>
       <p:sp>
         <p:nvSpPr>
-          <p:cNvPr id="598" name="CustomShape 69"/>
+          <p:cNvPr id="599" name="CustomShape 69"/>
           <p:cNvSpPr/>
           <p:nvPr/>
         </p:nvSpPr>
@@ -5735,7 +5735,7 @@
       </p:grpSpPr>
       <p:sp>
         <p:nvSpPr>
-          <p:cNvPr id="599" name="PlaceHolder 1"/>
+          <p:cNvPr id="600" name="PlaceHolder 1"/>
           <p:cNvSpPr>
             <a:spLocks noGrp="1"/>
           </p:cNvSpPr>
@@ -5758,7 +5758,7 @@
       </p:sp>
       <p:sp>
         <p:nvSpPr>
-          <p:cNvPr id="600" name="PlaceHolder 2"/>
+          <p:cNvPr id="601" name="PlaceHolder 2"/>
           <p:cNvSpPr>
             <a:spLocks noGrp="1"/>
           </p:cNvSpPr>
@@ -5798,7 +5798,7 @@
       </p:sp>
       <p:sp>
         <p:nvSpPr>
-          <p:cNvPr id="601" name="CustomShape 121"/>
+          <p:cNvPr id="602" name="CustomShape 121"/>
           <p:cNvSpPr/>
           <p:nvPr/>
         </p:nvSpPr>
@@ -5874,7 +5874,7 @@
       </p:grpSpPr>
       <p:sp>
         <p:nvSpPr>
-          <p:cNvPr id="602" name="PlaceHolder 1"/>
+          <p:cNvPr id="603" name="PlaceHolder 1"/>
           <p:cNvSpPr>
             <a:spLocks noGrp="1"/>
           </p:cNvSpPr>
@@ -5897,7 +5897,7 @@
       </p:sp>
       <p:sp>
         <p:nvSpPr>
-          <p:cNvPr id="603" name="PlaceHolder 2"/>
+          <p:cNvPr id="604" name="PlaceHolder 2"/>
           <p:cNvSpPr>
             <a:spLocks noGrp="1"/>
           </p:cNvSpPr>
@@ -5937,7 +5937,7 @@
       </p:sp>
       <p:sp>
         <p:nvSpPr>
-          <p:cNvPr id="604" name="CustomShape 93"/>
+          <p:cNvPr id="605" name="CustomShape 93"/>
           <p:cNvSpPr/>
           <p:nvPr/>
         </p:nvSpPr>
@@ -6013,7 +6013,7 @@
       </p:grpSpPr>
       <p:sp>
         <p:nvSpPr>
-          <p:cNvPr id="605" name="PlaceHolder 1"/>
+          <p:cNvPr id="606" name="PlaceHolder 1"/>
           <p:cNvSpPr>
             <a:spLocks noGrp="1"/>
           </p:cNvSpPr>
@@ -6036,7 +6036,7 @@
       </p:sp>
       <p:sp>
         <p:nvSpPr>
-          <p:cNvPr id="606" name="PlaceHolder 2"/>
+          <p:cNvPr id="607" name="PlaceHolder 2"/>
           <p:cNvSpPr>
             <a:spLocks noGrp="1"/>
           </p:cNvSpPr>
@@ -6076,7 +6076,7 @@
       </p:sp>
       <p:sp>
         <p:nvSpPr>
-          <p:cNvPr id="607" name="CustomShape 3"/>
+          <p:cNvPr id="608" name="CustomShape 3"/>
           <p:cNvSpPr/>
           <p:nvPr/>
         </p:nvSpPr>
@@ -6152,7 +6152,7 @@
       </p:grpSpPr>
       <p:sp>
         <p:nvSpPr>
-          <p:cNvPr id="608" name="PlaceHolder 1"/>
+          <p:cNvPr id="609" name="PlaceHolder 1"/>
           <p:cNvSpPr>
             <a:spLocks noGrp="1"/>
           </p:cNvSpPr>
@@ -6175,7 +6175,7 @@
       </p:sp>
       <p:sp>
         <p:nvSpPr>
-          <p:cNvPr id="609" name="PlaceHolder 2"/>
+          <p:cNvPr id="610" name="PlaceHolder 2"/>
           <p:cNvSpPr>
             <a:spLocks noGrp="1"/>
           </p:cNvSpPr>
@@ -6215,7 +6215,7 @@
       </p:sp>
       <p:sp>
         <p:nvSpPr>
-          <p:cNvPr id="610" name="CustomShape 3"/>
+          <p:cNvPr id="611" name="CustomShape 3"/>
           <p:cNvSpPr/>
           <p:nvPr/>
         </p:nvSpPr>
@@ -6291,7 +6291,7 @@
       </p:grpSpPr>
       <p:sp>
         <p:nvSpPr>
-          <p:cNvPr id="482" name="PlaceHolder 1"/>
+          <p:cNvPr id="483" name="PlaceHolder 1"/>
           <p:cNvSpPr>
             <a:spLocks noGrp="1"/>
           </p:cNvSpPr>
@@ -6314,7 +6314,7 @@
       </p:sp>
       <p:sp>
         <p:nvSpPr>
-          <p:cNvPr id="483" name="PlaceHolder 2"/>
+          <p:cNvPr id="484" name="PlaceHolder 2"/>
           <p:cNvSpPr>
             <a:spLocks noGrp="1"/>
           </p:cNvSpPr>
@@ -6354,7 +6354,7 @@
       </p:sp>
       <p:sp>
         <p:nvSpPr>
-          <p:cNvPr id="484" name="CustomShape 3"/>
+          <p:cNvPr id="485" name="CustomShape 3"/>
           <p:cNvSpPr/>
           <p:nvPr/>
         </p:nvSpPr>
@@ -6430,7 +6430,7 @@
       </p:grpSpPr>
       <p:sp>
         <p:nvSpPr>
-          <p:cNvPr id="485" name="PlaceHolder 1"/>
+          <p:cNvPr id="486" name="PlaceHolder 1"/>
           <p:cNvSpPr>
             <a:spLocks noGrp="1"/>
           </p:cNvSpPr>
@@ -6453,7 +6453,7 @@
       </p:sp>
       <p:sp>
         <p:nvSpPr>
-          <p:cNvPr id="486" name="PlaceHolder 2"/>
+          <p:cNvPr id="487" name="PlaceHolder 2"/>
           <p:cNvSpPr>
             <a:spLocks noGrp="1"/>
           </p:cNvSpPr>
@@ -6493,7 +6493,7 @@
       </p:sp>
       <p:sp>
         <p:nvSpPr>
-          <p:cNvPr id="487" name="CustomShape 3"/>
+          <p:cNvPr id="488" name="CustomShape 3"/>
           <p:cNvSpPr/>
           <p:nvPr/>
         </p:nvSpPr>
@@ -6569,7 +6569,7 @@
       </p:grpSpPr>
       <p:sp>
         <p:nvSpPr>
-          <p:cNvPr id="488" name="PlaceHolder 1"/>
+          <p:cNvPr id="489" name="PlaceHolder 1"/>
           <p:cNvSpPr>
             <a:spLocks noGrp="1"/>
           </p:cNvSpPr>
@@ -6592,7 +6592,7 @@
       </p:sp>
       <p:sp>
         <p:nvSpPr>
-          <p:cNvPr id="489" name="PlaceHolder 2"/>
+          <p:cNvPr id="490" name="PlaceHolder 2"/>
           <p:cNvSpPr>
             <a:spLocks noGrp="1"/>
           </p:cNvSpPr>
@@ -6632,7 +6632,7 @@
       </p:sp>
       <p:sp>
         <p:nvSpPr>
-          <p:cNvPr id="490" name="CustomShape 3"/>
+          <p:cNvPr id="491" name="CustomShape 3"/>
           <p:cNvSpPr/>
           <p:nvPr/>
         </p:nvSpPr>
@@ -6708,7 +6708,7 @@
       </p:grpSpPr>
       <p:sp>
         <p:nvSpPr>
-          <p:cNvPr id="491" name="PlaceHolder 1"/>
+          <p:cNvPr id="492" name="PlaceHolder 1"/>
           <p:cNvSpPr>
             <a:spLocks noGrp="1"/>
           </p:cNvSpPr>
@@ -6731,7 +6731,7 @@
       </p:sp>
       <p:sp>
         <p:nvSpPr>
-          <p:cNvPr id="492" name="PlaceHolder 2"/>
+          <p:cNvPr id="493" name="PlaceHolder 2"/>
           <p:cNvSpPr>
             <a:spLocks noGrp="1"/>
           </p:cNvSpPr>
@@ -6771,7 +6771,7 @@
       </p:sp>
       <p:sp>
         <p:nvSpPr>
-          <p:cNvPr id="493" name="CustomShape 61"/>
+          <p:cNvPr id="494" name="CustomShape 61"/>
           <p:cNvSpPr/>
           <p:nvPr/>
         </p:nvSpPr>
@@ -6847,7 +6847,7 @@
       </p:grpSpPr>
       <p:sp>
         <p:nvSpPr>
-          <p:cNvPr id="494" name="PlaceHolder 1"/>
+          <p:cNvPr id="495" name="PlaceHolder 1"/>
           <p:cNvSpPr>
             <a:spLocks noGrp="1"/>
           </p:cNvSpPr>
@@ -6870,7 +6870,7 @@
       </p:sp>
       <p:sp>
         <p:nvSpPr>
-          <p:cNvPr id="495" name="PlaceHolder 2"/>
+          <p:cNvPr id="496" name="PlaceHolder 2"/>
           <p:cNvSpPr>
             <a:spLocks noGrp="1"/>
           </p:cNvSpPr>
@@ -6910,7 +6910,7 @@
       </p:sp>
       <p:sp>
         <p:nvSpPr>
-          <p:cNvPr id="496" name="CustomShape 107"/>
+          <p:cNvPr id="497" name="CustomShape 107"/>
           <p:cNvSpPr/>
           <p:nvPr/>
         </p:nvSpPr>
@@ -42494,7 +42494,7 @@
         </p:nvSpPr>
         <p:spPr>
           <a:xfrm>
-            <a:off x="360000" y="1980000"/>
+            <a:off x="429120" y="1980000"/>
             <a:ext cx="9172080" cy="4672080"/>
           </a:xfrm>
           <a:prstGeom prst="rect">
@@ -42684,6 +42684,48 @@
           </a:ln>
         </p:spPr>
       </p:pic>
+      <p:sp>
+        <p:nvSpPr>
+          <p:cNvPr id="463" name=""/>
+          <p:cNvSpPr txBox="1"/>
+          <p:nvPr/>
+        </p:nvSpPr>
+        <p:spPr>
+          <a:xfrm>
+            <a:off x="1881360" y="1828800"/>
+            <a:ext cx="6119640" cy="346680"/>
+          </a:xfrm>
+          <a:prstGeom prst="rect">
+            <a:avLst/>
+          </a:prstGeom>
+          <a:noFill/>
+          <a:ln w="0">
+            <a:noFill/>
+          </a:ln>
+        </p:spPr>
+        <p:txBody>
+          <a:bodyPr lIns="90000" rIns="90000" tIns="45000" bIns="45000" anchor="t">
+            <a:noAutofit/>
+          </a:bodyPr>
+          <a:p>
+            <a:r>
+              <a:rPr b="0" lang="en-US" sz="1800" spc="-1" strike="noStrike">
+                <a:solidFill>
+                  <a:srgbClr val="000000"/>
+                </a:solidFill>
+                <a:latin typeface="Arial"/>
+              </a:rPr>
+              <a:t>https://www.cs.usfca.edu/~galles/visualization/Dijkstra.html</a:t>
+            </a:r>
+            <a:endParaRPr b="0" lang="en-US" sz="1800" spc="-1" strike="noStrike">
+              <a:solidFill>
+                <a:srgbClr val="000000"/>
+              </a:solidFill>
+              <a:latin typeface="Arial"/>
+            </a:endParaRPr>
+          </a:p>
+        </p:txBody>
+      </p:sp>
     </p:spTree>
   </p:cSld>
   <mc:AlternateContent>
@@ -42716,7 +42758,7 @@
       </p:grpSpPr>
       <p:sp>
         <p:nvSpPr>
-          <p:cNvPr id="463" name="CustomShape 1"/>
+          <p:cNvPr id="464" name="CustomShape 1"/>
           <p:cNvSpPr/>
           <p:nvPr/>
         </p:nvSpPr>
@@ -42770,7 +42812,7 @@
       </p:sp>
       <p:sp>
         <p:nvSpPr>
-          <p:cNvPr id="464" name="CustomShape 2"/>
+          <p:cNvPr id="465" name="CustomShape 2"/>
           <p:cNvSpPr/>
           <p:nvPr/>
         </p:nvSpPr>
@@ -42824,7 +42866,7 @@
       </p:sp>
       <p:sp>
         <p:nvSpPr>
-          <p:cNvPr id="465" name="CustomShape 3"/>
+          <p:cNvPr id="466" name="CustomShape 3"/>
           <p:cNvSpPr/>
           <p:nvPr/>
         </p:nvSpPr>
@@ -42878,7 +42920,7 @@
       </p:sp>
       <p:sp>
         <p:nvSpPr>
-          <p:cNvPr id="466" name="CustomShape 4"/>
+          <p:cNvPr id="467" name="CustomShape 4"/>
           <p:cNvSpPr/>
           <p:nvPr/>
         </p:nvSpPr>
@@ -42989,7 +43031,7 @@
       </p:sp>
       <p:sp>
         <p:nvSpPr>
-          <p:cNvPr id="467" name="CustomShape 5"/>
+          <p:cNvPr id="468" name="CustomShape 5"/>
           <p:cNvSpPr/>
           <p:nvPr/>
         </p:nvSpPr>
@@ -43164,7 +43206,7 @@
       </p:sp>
       <p:sp>
         <p:nvSpPr>
-          <p:cNvPr id="468" name="CustomShape 6"/>
+          <p:cNvPr id="469" name="CustomShape 6"/>
           <p:cNvSpPr/>
           <p:nvPr/>
         </p:nvSpPr>
@@ -43487,7 +43529,7 @@
       </p:sp>
       <p:sp>
         <p:nvSpPr>
-          <p:cNvPr id="469" name=""/>
+          <p:cNvPr id="470" name=""/>
           <p:cNvSpPr/>
           <p:nvPr/>
         </p:nvSpPr>
